--- a/FinalProject-Tiktok/docs/大作业答辩.pptx
+++ b/FinalProject-Tiktok/docs/大作业答辩.pptx
@@ -2366,9 +2366,12 @@
           <a:p>
             <a:r>
               <a:rPr lang="en-US" altLang="zh-CN" dirty="0"/>
-              <a:t>CS305 Final Project</a:t>
-            </a:r>
-            <a:endParaRPr lang="zh-CN" altLang="en-US" dirty="0"/>
+              <a:t>API</a:t>
+            </a:r>
+            <a:r>
+              <a:rPr lang="zh-CN" altLang="en-US" dirty="0"/>
+              <a:t>分析与设计 答辩</a:t>
+            </a:r>
           </a:p>
         </p:txBody>
       </p:sp>
@@ -2394,8 +2397,8 @@
           <a:lstStyle/>
           <a:p>
             <a:r>
-              <a:rPr lang="en-US" altLang="zh-CN" b="1" dirty="0"/>
-              <a:t>Authors</a:t>
+              <a:rPr lang="zh-CN" altLang="en-US" b="1"/>
+              <a:t>俞贤皓 </a:t>
             </a:r>
             <a:endParaRPr lang="zh-CN" altLang="en-US" b="1" dirty="0"/>
           </a:p>
